--- a/presentations/03-Event-Emmiter.pptx
+++ b/presentations/03-Event-Emmiter.pptx
@@ -535,7 +535,7 @@
         <p:spPr>
           <a:xfrm>
             <a:off x="1524000" y="3602037"/>
-            <a:ext cx="9144000" cy="1655766"/>
+            <a:ext cx="9144000" cy="1655767"/>
           </a:xfrm>
           <a:prstGeom prst="rect">
             <a:avLst/>
@@ -1066,7 +1066,7 @@
         <p:spPr>
           <a:xfrm>
             <a:off x="831850" y="4589462"/>
-            <a:ext cx="10515600" cy="1500191"/>
+            <a:ext cx="10515600" cy="1500192"/>
           </a:xfrm>
           <a:prstGeom prst="rect">
             <a:avLst/>
@@ -1369,7 +1369,7 @@
         <p:spPr>
           <a:xfrm>
             <a:off x="839787" y="1681163"/>
-            <a:ext cx="5157790" cy="823916"/>
+            <a:ext cx="5157790" cy="823917"/>
           </a:xfrm>
           <a:prstGeom prst="rect">
             <a:avLst/>
@@ -2114,7 +2114,7 @@
         </p:nvSpPr>
         <p:spPr>
           <a:xfrm>
-            <a:off x="11089823" y="6404294"/>
+            <a:off x="11089824" y="6404294"/>
             <a:ext cx="263979" cy="269237"/>
           </a:xfrm>
           <a:prstGeom prst="rect">
@@ -2994,9 +2994,8 @@
         </p:spPr>
         <p:txBody>
           <a:bodyPr/>
-          <a:lstStyle/>
-          <a:p>
-            <a:pPr algn="l">
+          <a:lstStyle>
+            <a:lvl1pPr algn="l">
               <a:defRPr sz="3600">
                 <a:solidFill>
                   <a:srgbClr val="3B3838"/>
@@ -3006,25 +3005,12 @@
                 <a:cs typeface="Open Sans"/>
                 <a:sym typeface="Open Sans"/>
               </a:defRPr>
-            </a:pPr>
-            <a:r>
-              <a:t>Dev-Pro Node.js</a:t>
-            </a:r>
-          </a:p>
-          <a:p>
-            <a:pPr algn="l">
-              <a:defRPr sz="3600">
-                <a:solidFill>
-                  <a:srgbClr val="3B3838"/>
-                </a:solidFill>
-                <a:latin typeface="Open Sans"/>
-                <a:ea typeface="Open Sans"/>
-                <a:cs typeface="Open Sans"/>
-                <a:sym typeface="Open Sans"/>
-              </a:defRPr>
-            </a:pPr>
-            <a:r>
-              <a:t>Advanced Flow</a:t>
+            </a:lvl1pPr>
+          </a:lstStyle>
+          <a:p>
+            <a:pPr/>
+            <a:r>
+              <a:t>Node.js</a:t>
             </a:r>
           </a:p>
         </p:txBody>
@@ -3040,7 +3026,7 @@
         <p:spPr>
           <a:xfrm>
             <a:off x="684212" y="4681847"/>
-            <a:ext cx="4516438" cy="1190867"/>
+            <a:ext cx="4516438" cy="1190868"/>
           </a:xfrm>
           <a:prstGeom prst="rect">
             <a:avLst/>
@@ -3067,7 +3053,7 @@
           <a:p>
             <a:pPr/>
             <a:r>
-              <a:t>Lesson 2. Event Emitter.</a:t>
+              <a:t>Lesson 3. Event Emitter.</a:t>
             </a:r>
           </a:p>
         </p:txBody>
@@ -3081,7 +3067,7 @@
         <p:spPr>
           <a:xfrm>
             <a:off x="811184" y="4025245"/>
-            <a:ext cx="1451251" cy="4"/>
+            <a:ext cx="1451251" cy="5"/>
           </a:xfrm>
           <a:prstGeom prst="line">
             <a:avLst/>
@@ -3120,7 +3106,7 @@
         <p:spPr>
           <a:xfrm>
             <a:off x="4650697" y="1287372"/>
-            <a:ext cx="7122232" cy="4362368"/>
+            <a:ext cx="7122233" cy="4362368"/>
           </a:xfrm>
           <a:prstGeom prst="rect">
             <a:avLst/>
@@ -3371,7 +3357,7 @@
         <p:spPr>
           <a:xfrm>
             <a:off x="10240129" y="6026089"/>
-            <a:ext cx="1373568" cy="287494"/>
+            <a:ext cx="1373569" cy="287495"/>
           </a:xfrm>
           <a:prstGeom prst="rect">
             <a:avLst/>
@@ -3523,7 +3509,7 @@
         <p:spPr>
           <a:xfrm>
             <a:off x="811184" y="4025245"/>
-            <a:ext cx="1451251" cy="4"/>
+            <a:ext cx="1451251" cy="5"/>
           </a:xfrm>
           <a:prstGeom prst="line">
             <a:avLst/>
@@ -3578,7 +3564,7 @@
         <p:spPr>
           <a:xfrm>
             <a:off x="953675" y="1276224"/>
-            <a:ext cx="9849637" cy="2691095"/>
+            <a:ext cx="9849637" cy="2691093"/>
           </a:xfrm>
           <a:prstGeom prst="rect">
             <a:avLst/>
@@ -3854,7 +3840,7 @@
         <p:spPr>
           <a:xfrm>
             <a:off x="526290" y="2676786"/>
-            <a:ext cx="11139420" cy="2139428"/>
+            <a:ext cx="11139421" cy="2139428"/>
           </a:xfrm>
           <a:prstGeom prst="rect">
             <a:avLst/>
@@ -3914,7 +3900,7 @@
         <p:spPr>
           <a:xfrm>
             <a:off x="1746491" y="1139609"/>
-            <a:ext cx="8349010" cy="4756581"/>
+            <a:ext cx="8349010" cy="4756582"/>
           </a:xfrm>
           <a:prstGeom prst="rect">
             <a:avLst/>
@@ -4114,7 +4100,7 @@
         <p:spPr>
           <a:xfrm>
             <a:off x="1482509" y="1535205"/>
-            <a:ext cx="9144003" cy="4422591"/>
+            <a:ext cx="9144004" cy="4422591"/>
           </a:xfrm>
           <a:prstGeom prst="rect">
             <a:avLst/>
@@ -4364,7 +4350,7 @@
         <p:spPr>
           <a:xfrm>
             <a:off x="2254717" y="1674285"/>
-            <a:ext cx="7682566" cy="4100922"/>
+            <a:ext cx="7682566" cy="4100923"/>
           </a:xfrm>
           <a:prstGeom prst="rect">
             <a:avLst/>
@@ -4489,7 +4475,7 @@
         <p:spPr>
           <a:xfrm>
             <a:off x="2132109" y="1514150"/>
-            <a:ext cx="7927781" cy="4465445"/>
+            <a:ext cx="7927782" cy="4465445"/>
           </a:xfrm>
           <a:prstGeom prst="rect">
             <a:avLst/>
@@ -4614,7 +4600,7 @@
         <p:spPr>
           <a:xfrm>
             <a:off x="2234289" y="1481221"/>
-            <a:ext cx="7640443" cy="4723488"/>
+            <a:ext cx="7640443" cy="4723489"/>
           </a:xfrm>
           <a:prstGeom prst="rect">
             <a:avLst/>
